--- a/cinema galaxy/cinema galaxy/中間発表.pptx
+++ b/cinema galaxy/cinema galaxy/中間発表.pptx
@@ -267,6 +267,11 @@
       </a:defRPr>
     </a:lvl9pPr>
   </p:defaultTextStyle>
+  <p:extLst>
+    <p:ext uri="{EFAFB233-063F-42B5-8137-9DF3F51BA10A}">
+      <p15:sldGuideLst xmlns:p15="http://schemas.microsoft.com/office/powerpoint/2012/main"/>
+    </p:ext>
+  </p:extLst>
 </p:presentation>
 </file>
 
@@ -19790,13 +19795,13 @@
   <p:clrMapOvr>
     <a:masterClrMapping/>
   </p:clrMapOvr>
-  <mc:AlternateContent xmlns:mc="http://schemas.openxmlformats.org/markup-compatibility/2006">
-    <mc:Choice xmlns:p14="http://schemas.microsoft.com/office/powerpoint/2010/main" Requires="p14">
+  <mc:AlternateContent xmlns:mc="http://schemas.openxmlformats.org/markup-compatibility/2006" xmlns:p14="http://schemas.microsoft.com/office/powerpoint/2010/main">
+    <mc:Choice Requires="p14">
       <p:transition spd="slow" p14:dur="3400">
         <p14:reveal/>
       </p:transition>
     </mc:Choice>
-    <mc:Fallback>
+    <mc:Fallback xmlns="">
       <p:transition spd="slow">
         <p:fade/>
       </p:transition>
@@ -19862,7 +19867,7 @@
                   <a:srgbClr val="FFB600"/>
                 </a:solidFill>
               </a:rPr>
-              <a:t>表示のアップデート</a:t>
+              <a:t>テーマのアップデート</a:t>
             </a:r>
             <a:endParaRPr sz="4400" dirty="0">
               <a:solidFill>
@@ -19920,7 +19925,7 @@
                   <a:srgbClr val="FFFFFF"/>
                 </a:solidFill>
               </a:rPr>
-              <a:t>ページの暗い光表示を変更して見やすくなりました。</a:t>
+              <a:t>ページの暗い光テーマを変更して見やすくなりました。</a:t>
             </a:r>
             <a:endParaRPr lang="en-US" altLang="ja-JP" sz="2400" dirty="0">
               <a:solidFill>
@@ -20068,13 +20073,13 @@
   <p:clrMapOvr>
     <a:masterClrMapping/>
   </p:clrMapOvr>
-  <mc:AlternateContent xmlns:mc="http://schemas.openxmlformats.org/markup-compatibility/2006">
-    <mc:Choice xmlns:p14="http://schemas.microsoft.com/office/powerpoint/2010/main" Requires="p14">
+  <mc:AlternateContent xmlns:mc="http://schemas.openxmlformats.org/markup-compatibility/2006" xmlns:p14="http://schemas.microsoft.com/office/powerpoint/2010/main">
+    <mc:Choice Requires="p14">
       <p:transition spd="slow" p14:dur="800">
         <p:circle/>
       </p:transition>
     </mc:Choice>
-    <mc:Fallback>
+    <mc:Fallback xmlns="">
       <p:transition spd="slow">
         <p:circle/>
       </p:transition>
@@ -21314,13 +21319,13 @@
   <p:clrMapOvr>
     <a:masterClrMapping/>
   </p:clrMapOvr>
-  <mc:AlternateContent xmlns:mc="http://schemas.openxmlformats.org/markup-compatibility/2006">
-    <mc:Choice xmlns:p15="http://schemas.microsoft.com/office/powerpoint/2012/main" Requires="p15">
+  <mc:AlternateContent xmlns:mc="http://schemas.openxmlformats.org/markup-compatibility/2006" xmlns:p15="http://schemas.microsoft.com/office/powerpoint/2012/main">
+    <mc:Choice Requires="p15">
       <p:transition xmlns:p14="http://schemas.microsoft.com/office/powerpoint/2010/main" spd="slow" p14:dur="1250">
         <p15:prstTrans prst="pageCurlDouble"/>
       </p:transition>
     </mc:Choice>
-    <mc:Fallback>
+    <mc:Fallback xmlns="">
       <p:transition spd="slow">
         <p:fade/>
       </p:transition>
@@ -21474,13 +21479,13 @@
   <p:clrMapOvr>
     <a:masterClrMapping/>
   </p:clrMapOvr>
-  <mc:AlternateContent xmlns:mc="http://schemas.openxmlformats.org/markup-compatibility/2006">
-    <mc:Choice xmlns:p14="http://schemas.microsoft.com/office/powerpoint/2010/main" Requires="p14">
+  <mc:AlternateContent xmlns:mc="http://schemas.openxmlformats.org/markup-compatibility/2006" xmlns:p14="http://schemas.microsoft.com/office/powerpoint/2010/main">
+    <mc:Choice Requires="p14">
       <p:transition spd="med" p14:dur="700">
         <p:fade/>
       </p:transition>
     </mc:Choice>
-    <mc:Fallback>
+    <mc:Fallback xmlns="">
       <p:transition spd="med">
         <p:fade/>
       </p:transition>
